--- a/docs/presentations/20210726/slides.pptx
+++ b/docs/presentations/20210726/slides.pptx
@@ -6,10 +6,10 @@
     <p:sldMasterId id="2147483654" r:id="rId5"/>
   </p:sldMasterIdLst>
   <p:notesMasterIdLst>
-    <p:notesMasterId r:id="rId17"/>
+    <p:notesMasterId r:id="rId18"/>
   </p:notesMasterIdLst>
   <p:handoutMasterIdLst>
-    <p:handoutMasterId r:id="rId18"/>
+    <p:handoutMasterId r:id="rId19"/>
   </p:handoutMasterIdLst>
   <p:sldIdLst>
     <p:sldId id="288" r:id="rId6"/>
@@ -23,6 +23,7 @@
     <p:sldId id="326" r:id="rId14"/>
     <p:sldId id="327" r:id="rId15"/>
     <p:sldId id="325" r:id="rId16"/>
+    <p:sldId id="328" r:id="rId17"/>
   </p:sldIdLst>
   <p:sldSz cx="12192000" cy="6858000"/>
   <p:notesSz cx="6794500" cy="9931400"/>
@@ -182,13 +183,45 @@
 <file path=ppt/revisionInfo.xml><?xml version="1.0" encoding="utf-8"?>
 <p1510:revInfo xmlns:a="http://schemas.openxmlformats.org/drawingml/2006/main" xmlns:r="http://schemas.openxmlformats.org/officeDocument/2006/relationships" xmlns:p1510="http://schemas.microsoft.com/office/powerpoint/2015/10/main">
   <p1510:revLst>
-    <p1510:client id="{654F4AF2-5394-43CF-A8E6-8EE56F16B67E}" v="477" dt="2021-07-25T23:59:43.462"/>
+    <p1510:client id="{4935185E-FF5C-40B0-99CD-0AC4C3E733C8}" v="2" dt="2021-08-02T10:57:25.249"/>
   </p1510:revLst>
 </p1510:revInfo>
 </file>
 
 <file path=ppt/changesInfos/changesInfo1.xml><?xml version="1.0" encoding="utf-8"?>
 <pc:chgInfo xmlns:a="http://schemas.openxmlformats.org/drawingml/2006/main" xmlns:r="http://schemas.openxmlformats.org/officeDocument/2006/relationships" xmlns:ac="http://schemas.microsoft.com/office/drawing/2013/main/command" xmlns:pc="http://schemas.microsoft.com/office/powerpoint/2013/main/command">
+  <pc:docChgLst>
+    <pc:chgData name="Matthew Suderman" userId="2709995e-3ea8-4fb0-9b62-eb8034dec529" providerId="ADAL" clId="{4935185E-FF5C-40B0-99CD-0AC4C3E733C8}"/>
+    <pc:docChg chg="custSel addSld modSld">
+      <pc:chgData name="Matthew Suderman" userId="2709995e-3ea8-4fb0-9b62-eb8034dec529" providerId="ADAL" clId="{4935185E-FF5C-40B0-99CD-0AC4C3E733C8}" dt="2021-08-02T10:58:45.005" v="84" actId="20577"/>
+      <pc:docMkLst>
+        <pc:docMk/>
+      </pc:docMkLst>
+      <pc:sldChg chg="modSp new mod">
+        <pc:chgData name="Matthew Suderman" userId="2709995e-3ea8-4fb0-9b62-eb8034dec529" providerId="ADAL" clId="{4935185E-FF5C-40B0-99CD-0AC4C3E733C8}" dt="2021-08-02T10:58:45.005" v="84" actId="20577"/>
+        <pc:sldMkLst>
+          <pc:docMk/>
+          <pc:sldMk cId="1046233399" sldId="328"/>
+        </pc:sldMkLst>
+        <pc:spChg chg="mod">
+          <ac:chgData name="Matthew Suderman" userId="2709995e-3ea8-4fb0-9b62-eb8034dec529" providerId="ADAL" clId="{4935185E-FF5C-40B0-99CD-0AC4C3E733C8}" dt="2021-08-02T10:56:38.843" v="59" actId="20577"/>
+          <ac:spMkLst>
+            <pc:docMk/>
+            <pc:sldMk cId="1046233399" sldId="328"/>
+            <ac:spMk id="2" creationId="{C6473AAC-EDF3-4A7E-A11D-5587EC4B684F}"/>
+          </ac:spMkLst>
+        </pc:spChg>
+        <pc:spChg chg="mod">
+          <ac:chgData name="Matthew Suderman" userId="2709995e-3ea8-4fb0-9b62-eb8034dec529" providerId="ADAL" clId="{4935185E-FF5C-40B0-99CD-0AC4C3E733C8}" dt="2021-08-02T10:58:45.005" v="84" actId="20577"/>
+          <ac:spMkLst>
+            <pc:docMk/>
+            <pc:sldMk cId="1046233399" sldId="328"/>
+            <ac:spMk id="3" creationId="{BB6813AE-FCA6-453A-92C2-45A3046ADA38}"/>
+          </ac:spMkLst>
+        </pc:spChg>
+      </pc:sldChg>
+    </pc:docChg>
+  </pc:docChgLst>
   <pc:docChgLst>
     <pc:chgData name="Matthew Suderman" userId="2709995e-3ea8-4fb0-9b62-eb8034dec529" providerId="ADAL" clId="{4929D89B-CC43-4C41-92A5-3ABC52AE066B}"/>
     <pc:docChg chg="undo custSel addSld delSld modSld sldOrd modMainMaster">
@@ -6689,6 +6722,375 @@
     <p:extLst>
       <p:ext uri="{BB962C8B-B14F-4D97-AF65-F5344CB8AC3E}">
         <p14:creationId xmlns:p14="http://schemas.microsoft.com/office/powerpoint/2010/main" val="1034794282"/>
+      </p:ext>
+    </p:extLst>
+  </p:cSld>
+  <p:clrMapOvr>
+    <a:masterClrMapping/>
+  </p:clrMapOvr>
+  <p:transition spd="med"/>
+</p:sld>
+</file>
+
+<file path=ppt/slides/slide12.xml><?xml version="1.0" encoding="utf-8"?>
+<p:sld xmlns:a="http://schemas.openxmlformats.org/drawingml/2006/main" xmlns:r="http://schemas.openxmlformats.org/officeDocument/2006/relationships" xmlns:p="http://schemas.openxmlformats.org/presentationml/2006/main">
+  <p:cSld>
+    <p:spTree>
+      <p:nvGrpSpPr>
+        <p:cNvPr id="1" name=""/>
+        <p:cNvGrpSpPr/>
+        <p:nvPr/>
+      </p:nvGrpSpPr>
+      <p:grpSpPr>
+        <a:xfrm>
+          <a:off x="0" y="0"/>
+          <a:ext cx="0" cy="0"/>
+          <a:chOff x="0" y="0"/>
+          <a:chExt cx="0" cy="0"/>
+        </a:xfrm>
+      </p:grpSpPr>
+      <p:sp>
+        <p:nvSpPr>
+          <p:cNvPr id="2" name="Title 1">
+            <a:extLst>
+              <a:ext uri="{FF2B5EF4-FFF2-40B4-BE49-F238E27FC236}">
+                <a16:creationId xmlns:a16="http://schemas.microsoft.com/office/drawing/2014/main" id="{C6473AAC-EDF3-4A7E-A11D-5587EC4B684F}"/>
+              </a:ext>
+            </a:extLst>
+          </p:cNvPr>
+          <p:cNvSpPr>
+            <a:spLocks noGrp="1"/>
+          </p:cNvSpPr>
+          <p:nvPr>
+            <p:ph type="title"/>
+          </p:nvPr>
+        </p:nvSpPr>
+        <p:spPr/>
+        <p:txBody>
+          <a:bodyPr/>
+          <a:lstStyle/>
+          <a:p>
+            <a:r>
+              <a:rPr lang="en-CA" dirty="0"/>
+              <a:t>Appraisal of prediction models for covid-19</a:t>
+            </a:r>
+            <a:endParaRPr lang="en-US" dirty="0"/>
+          </a:p>
+        </p:txBody>
+      </p:sp>
+      <p:sp>
+        <p:nvSpPr>
+          <p:cNvPr id="3" name="Content Placeholder 2">
+            <a:extLst>
+              <a:ext uri="{FF2B5EF4-FFF2-40B4-BE49-F238E27FC236}">
+                <a16:creationId xmlns:a16="http://schemas.microsoft.com/office/drawing/2014/main" id="{BB6813AE-FCA6-453A-92C2-45A3046ADA38}"/>
+              </a:ext>
+            </a:extLst>
+          </p:cNvPr>
+          <p:cNvSpPr>
+            <a:spLocks noGrp="1"/>
+          </p:cNvSpPr>
+          <p:nvPr>
+            <p:ph idx="1"/>
+          </p:nvPr>
+        </p:nvSpPr>
+        <p:spPr/>
+        <p:txBody>
+          <a:bodyPr/>
+          <a:lstStyle/>
+          <a:p>
+            <a:pPr marL="0" indent="0">
+              <a:buNone/>
+            </a:pPr>
+            <a:r>
+              <a:rPr lang="en-US" b="0" i="0" dirty="0">
+                <a:solidFill>
+                  <a:srgbClr val="000000"/>
+                </a:solidFill>
+                <a:effectLst/>
+                <a:latin typeface="Independent"/>
+                <a:hlinkClick r:id="rId2"/>
+              </a:rPr>
+              <a:t>https://www.technologyreview.com/2021/07/30/1030329/machine-learning-ai-failed-covid-hospital-diagnosis-pandemic/</a:t>
+            </a:r>
+            <a:endParaRPr lang="en-US" b="0" i="0" dirty="0">
+              <a:solidFill>
+                <a:srgbClr val="000000"/>
+              </a:solidFill>
+              <a:effectLst/>
+              <a:latin typeface="Independent"/>
+            </a:endParaRPr>
+          </a:p>
+          <a:p>
+            <a:pPr marL="0" indent="0">
+              <a:buNone/>
+            </a:pPr>
+            <a:r>
+              <a:rPr lang="en-US" b="0" i="0" dirty="0">
+                <a:solidFill>
+                  <a:srgbClr val="000000"/>
+                </a:solidFill>
+                <a:effectLst/>
+                <a:latin typeface="Independent"/>
+              </a:rPr>
+              <a:t>“In yet other cases, some AIs were found to be picking up on the text font that certain hospitals used to label the scans. As a result, fonts from hospitals with more serious caseloads became predictors of covid risk.”</a:t>
+            </a:r>
+          </a:p>
+          <a:p>
+            <a:pPr marL="0" indent="0">
+              <a:buNone/>
+            </a:pPr>
+            <a:endParaRPr lang="en-US" dirty="0">
+              <a:solidFill>
+                <a:srgbClr val="000000"/>
+              </a:solidFill>
+              <a:latin typeface="Independent"/>
+            </a:endParaRPr>
+          </a:p>
+          <a:p>
+            <a:pPr>
+              <a:buFont typeface="Arial" panose="020B0604020202020204" pitchFamily="34" charset="0"/>
+              <a:buChar char="•"/>
+            </a:pPr>
+            <a:r>
+              <a:rPr lang="en-US" dirty="0">
+                <a:hlinkClick r:id="rId3"/>
+              </a:rPr>
+              <a:t>https://www.turing.ac.uk/sites/default/files/2021-06/data-science-and-ai-in-the-age-of-covid_full-report_2</a:t>
+            </a:r>
+            <a:r>
+              <a:rPr lang="en-US">
+                <a:hlinkClick r:id="rId3"/>
+              </a:rPr>
+              <a:t>.pdf</a:t>
+            </a:r>
+            <a:endParaRPr lang="en-US" dirty="0"/>
+          </a:p>
+          <a:p>
+            <a:pPr>
+              <a:buFont typeface="Arial" panose="020B0604020202020204" pitchFamily="34" charset="0"/>
+              <a:buChar char="•"/>
+            </a:pPr>
+            <a:r>
+              <a:rPr lang="en-US" b="0" i="0">
+                <a:solidFill>
+                  <a:srgbClr val="333333"/>
+                </a:solidFill>
+                <a:effectLst/>
+                <a:latin typeface="inherit"/>
+              </a:rPr>
+              <a:t>Wynants </a:t>
+            </a:r>
+            <a:r>
+              <a:rPr lang="en-US" b="0" i="0" dirty="0">
+                <a:solidFill>
+                  <a:srgbClr val="333333"/>
+                </a:solidFill>
+                <a:effectLst/>
+                <a:latin typeface="inherit"/>
+              </a:rPr>
+              <a:t>L</a:t>
+            </a:r>
+            <a:r>
+              <a:rPr lang="en-US" b="0" i="0" dirty="0">
+                <a:solidFill>
+                  <a:srgbClr val="333333"/>
+                </a:solidFill>
+                <a:effectLst/>
+                <a:latin typeface="interfaceregular"/>
+              </a:rPr>
+              <a:t>, </a:t>
+            </a:r>
+            <a:r>
+              <a:rPr lang="en-US" b="0" i="0" dirty="0">
+                <a:solidFill>
+                  <a:srgbClr val="333333"/>
+                </a:solidFill>
+                <a:effectLst/>
+                <a:latin typeface="inherit"/>
+              </a:rPr>
+              <a:t>Van </a:t>
+            </a:r>
+            <a:r>
+              <a:rPr lang="en-US" b="0" i="0" dirty="0" err="1">
+                <a:solidFill>
+                  <a:srgbClr val="333333"/>
+                </a:solidFill>
+                <a:effectLst/>
+                <a:latin typeface="inherit"/>
+              </a:rPr>
+              <a:t>Calster</a:t>
+            </a:r>
+            <a:r>
+              <a:rPr lang="en-US" b="0" i="0" dirty="0">
+                <a:solidFill>
+                  <a:srgbClr val="333333"/>
+                </a:solidFill>
+                <a:effectLst/>
+                <a:latin typeface="inherit"/>
+              </a:rPr>
+              <a:t> B</a:t>
+            </a:r>
+            <a:r>
+              <a:rPr lang="en-US" b="0" i="0" dirty="0">
+                <a:solidFill>
+                  <a:srgbClr val="333333"/>
+                </a:solidFill>
+                <a:effectLst/>
+                <a:latin typeface="interfaceregular"/>
+              </a:rPr>
+              <a:t>, </a:t>
+            </a:r>
+            <a:r>
+              <a:rPr lang="en-US" b="0" i="0" dirty="0">
+                <a:solidFill>
+                  <a:srgbClr val="333333"/>
+                </a:solidFill>
+                <a:effectLst/>
+                <a:latin typeface="inherit"/>
+              </a:rPr>
+              <a:t>Collins G S</a:t>
+            </a:r>
+            <a:r>
+              <a:rPr lang="en-US" b="0" i="0" dirty="0">
+                <a:solidFill>
+                  <a:srgbClr val="333333"/>
+                </a:solidFill>
+                <a:effectLst/>
+                <a:latin typeface="interfaceregular"/>
+              </a:rPr>
+              <a:t>, </a:t>
+            </a:r>
+            <a:r>
+              <a:rPr lang="en-US" b="0" i="0" dirty="0">
+                <a:solidFill>
+                  <a:srgbClr val="333333"/>
+                </a:solidFill>
+                <a:effectLst/>
+                <a:latin typeface="inherit"/>
+              </a:rPr>
+              <a:t>Riley R D</a:t>
+            </a:r>
+            <a:r>
+              <a:rPr lang="en-US" b="0" i="0" dirty="0">
+                <a:solidFill>
+                  <a:srgbClr val="333333"/>
+                </a:solidFill>
+                <a:effectLst/>
+                <a:latin typeface="interfaceregular"/>
+              </a:rPr>
+              <a:t>, </a:t>
+            </a:r>
+            <a:r>
+              <a:rPr lang="en-US" b="0" i="0" dirty="0">
+                <a:solidFill>
+                  <a:srgbClr val="333333"/>
+                </a:solidFill>
+                <a:effectLst/>
+                <a:latin typeface="inherit"/>
+              </a:rPr>
+              <a:t>Heinze G</a:t>
+            </a:r>
+            <a:r>
+              <a:rPr lang="en-US" b="0" i="0" dirty="0">
+                <a:solidFill>
+                  <a:srgbClr val="333333"/>
+                </a:solidFill>
+                <a:effectLst/>
+                <a:latin typeface="interfaceregular"/>
+              </a:rPr>
+              <a:t>, </a:t>
+            </a:r>
+            <a:r>
+              <a:rPr lang="en-US" b="0" i="0" dirty="0" err="1">
+                <a:solidFill>
+                  <a:srgbClr val="333333"/>
+                </a:solidFill>
+                <a:effectLst/>
+                <a:latin typeface="inherit"/>
+              </a:rPr>
+              <a:t>Schuit</a:t>
+            </a:r>
+            <a:r>
+              <a:rPr lang="en-US" b="0" i="0" dirty="0">
+                <a:solidFill>
+                  <a:srgbClr val="333333"/>
+                </a:solidFill>
+                <a:effectLst/>
+                <a:latin typeface="inherit"/>
+              </a:rPr>
+              <a:t> E</a:t>
+            </a:r>
+            <a:r>
+              <a:rPr lang="en-US" b="0" i="0" dirty="0">
+                <a:solidFill>
+                  <a:srgbClr val="333333"/>
+                </a:solidFill>
+                <a:effectLst/>
+                <a:latin typeface="interfaceregular"/>
+              </a:rPr>
+              <a:t> et al. Prediction models for diagnosis and prognosis of covid-19: systematic review and critical appraisal </a:t>
+            </a:r>
+            <a:r>
+              <a:rPr lang="en-US" b="0" i="1" dirty="0">
+                <a:solidFill>
+                  <a:srgbClr val="333333"/>
+                </a:solidFill>
+                <a:effectLst/>
+                <a:latin typeface="inherit"/>
+              </a:rPr>
+              <a:t>BMJ </a:t>
+            </a:r>
+            <a:r>
+              <a:rPr lang="en-US" b="0" i="0" dirty="0">
+                <a:solidFill>
+                  <a:srgbClr val="555555"/>
+                </a:solidFill>
+                <a:effectLst/>
+                <a:latin typeface="inherit"/>
+              </a:rPr>
+              <a:t>2020; </a:t>
+            </a:r>
+            <a:r>
+              <a:rPr lang="en-US" b="0" i="0" dirty="0">
+                <a:solidFill>
+                  <a:srgbClr val="333333"/>
+                </a:solidFill>
+                <a:effectLst/>
+                <a:latin typeface="inherit"/>
+              </a:rPr>
+              <a:t>369 :m1328 </a:t>
+            </a:r>
+            <a:r>
+              <a:rPr lang="en-US" b="0" i="0" dirty="0">
+                <a:solidFill>
+                  <a:srgbClr val="333333"/>
+                </a:solidFill>
+                <a:effectLst/>
+                <a:latin typeface="interfaceregular"/>
+              </a:rPr>
+              <a:t>doi:10.1136/bmj.m1328</a:t>
+            </a:r>
+            <a:endParaRPr lang="en-US" b="0" i="0" dirty="0">
+              <a:solidFill>
+                <a:srgbClr val="000000"/>
+              </a:solidFill>
+              <a:effectLst/>
+              <a:latin typeface="Independent"/>
+            </a:endParaRPr>
+          </a:p>
+          <a:p>
+            <a:pPr marL="0" indent="0">
+              <a:buNone/>
+            </a:pPr>
+            <a:endParaRPr lang="en-US" dirty="0"/>
+          </a:p>
+        </p:txBody>
+      </p:sp>
+    </p:spTree>
+    <p:extLst>
+      <p:ext uri="{BB962C8B-B14F-4D97-AF65-F5344CB8AC3E}">
+        <p14:creationId xmlns:p14="http://schemas.microsoft.com/office/powerpoint/2010/main" val="1046233399"/>
       </p:ext>
     </p:extLst>
   </p:cSld>
@@ -12949,18 +13351,18 @@
 </file>
 
 <file path=customXml/item2.xml><?xml version="1.0" encoding="utf-8"?>
-<p:properties xmlns:p="http://schemas.microsoft.com/office/2006/metadata/properties" xmlns:xsi="http://www.w3.org/2001/XMLSchema-instance" xmlns:pc="http://schemas.microsoft.com/office/infopath/2007/PartnerControls">
-  <documentManagement/>
-</p:properties>
-</file>
-
-<file path=customXml/item3.xml><?xml version="1.0" encoding="utf-8"?>
 <?mso-contentType ?>
 <FormTemplates xmlns="http://schemas.microsoft.com/sharepoint/v3/contenttype/forms">
   <Display>DocumentLibraryForm</Display>
   <Edit>DocumentLibraryForm</Edit>
   <New>DocumentLibraryForm</New>
 </FormTemplates>
+</file>
+
+<file path=customXml/item3.xml><?xml version="1.0" encoding="utf-8"?>
+<p:properties xmlns:p="http://schemas.microsoft.com/office/2006/metadata/properties" xmlns:xsi="http://www.w3.org/2001/XMLSchema-instance" xmlns:pc="http://schemas.microsoft.com/office/infopath/2007/PartnerControls">
+  <documentManagement/>
+</p:properties>
 </file>
 
 <file path=customXml/itemProps1.xml><?xml version="1.0" encoding="utf-8"?>
@@ -12982,18 +13384,18 @@
 </file>
 
 <file path=customXml/itemProps2.xml><?xml version="1.0" encoding="utf-8"?>
+<ds:datastoreItem xmlns:ds="http://schemas.openxmlformats.org/officeDocument/2006/customXml" ds:itemID="{3AA12886-63C9-4300-8B68-1ADB4934159B}">
+  <ds:schemaRefs>
+    <ds:schemaRef ds:uri="http://schemas.microsoft.com/sharepoint/v3/contenttype/forms"/>
+  </ds:schemaRefs>
+</ds:datastoreItem>
+</file>
+
+<file path=customXml/itemProps3.xml><?xml version="1.0" encoding="utf-8"?>
 <ds:datastoreItem xmlns:ds="http://schemas.openxmlformats.org/officeDocument/2006/customXml" ds:itemID="{958A2EA8-4641-42F6-A17F-431287DED999}">
   <ds:schemaRefs>
     <ds:schemaRef ds:uri="http://schemas.microsoft.com/office/2006/metadata/properties"/>
     <ds:schemaRef ds:uri="http://schemas.microsoft.com/office/infopath/2007/PartnerControls"/>
   </ds:schemaRefs>
 </ds:datastoreItem>
-</file>
-
-<file path=customXml/itemProps3.xml><?xml version="1.0" encoding="utf-8"?>
-<ds:datastoreItem xmlns:ds="http://schemas.openxmlformats.org/officeDocument/2006/customXml" ds:itemID="{3AA12886-63C9-4300-8B68-1ADB4934159B}">
-  <ds:schemaRefs>
-    <ds:schemaRef ds:uri="http://schemas.microsoft.com/sharepoint/v3/contenttype/forms"/>
-  </ds:schemaRefs>
-</ds:datastoreItem>
 </file>